--- a/064_Normalization.pptx
+++ b/064_Normalization.pptx
@@ -233,7 +233,7 @@
             <a:fld id="{6837EDA8-41C8-4B24-A206-13C08A65A6D7}" type="datetimeFigureOut">
               <a:rPr lang="zh-TW" altLang="en-US" smtClean="0"/>
               <a:pPr/>
-              <a:t>2020/9/7</a:t>
+              <a:t>2020/9/8</a:t>
             </a:fld>
             <a:endParaRPr lang="zh-TW" altLang="en-US"/>
           </a:p>
@@ -686,7 +686,7 @@
             <a:fld id="{8B85509C-BD4F-47BF-9B1E-FC2E949B3621}" type="datetime1">
               <a:rPr lang="zh-TW" altLang="en-US" smtClean="0"/>
               <a:pPr/>
-              <a:t>2020/9/7</a:t>
+              <a:t>2020/9/8</a:t>
             </a:fld>
             <a:endParaRPr lang="zh-TW" altLang="en-US"/>
           </a:p>
@@ -859,7 +859,7 @@
             <a:fld id="{42251B24-F787-4C15-8A0F-7AEC20C70069}" type="datetime1">
               <a:rPr lang="zh-TW" altLang="en-US" smtClean="0"/>
               <a:pPr/>
-              <a:t>2020/9/7</a:t>
+              <a:t>2020/9/8</a:t>
             </a:fld>
             <a:endParaRPr lang="zh-TW" altLang="en-US"/>
           </a:p>
@@ -1034,7 +1034,7 @@
             <a:fld id="{9CA0D33C-CE2B-45F1-B8D4-FFD1F131F331}" type="datetime1">
               <a:rPr lang="zh-TW" altLang="en-US" smtClean="0"/>
               <a:pPr/>
-              <a:t>2020/9/7</a:t>
+              <a:t>2020/9/8</a:t>
             </a:fld>
             <a:endParaRPr lang="zh-TW" altLang="en-US"/>
           </a:p>
@@ -1199,7 +1199,7 @@
             <a:fld id="{50B99440-D9EF-40CC-9B52-F6428D9B2C76}" type="datetime1">
               <a:rPr lang="zh-TW" altLang="en-US" smtClean="0"/>
               <a:pPr/>
-              <a:t>2020/9/7</a:t>
+              <a:t>2020/9/8</a:t>
             </a:fld>
             <a:endParaRPr lang="zh-TW" altLang="en-US"/>
           </a:p>
@@ -1441,7 +1441,7 @@
             <a:fld id="{0871BF52-5C6C-4959-8E27-CECB68D39FE4}" type="datetime1">
               <a:rPr lang="zh-TW" altLang="en-US" smtClean="0"/>
               <a:pPr/>
-              <a:t>2020/9/7</a:t>
+              <a:t>2020/9/8</a:t>
             </a:fld>
             <a:endParaRPr lang="zh-TW" altLang="en-US"/>
           </a:p>
@@ -1723,7 +1723,7 @@
             <a:fld id="{DF863F05-2DD9-4EB1-A827-12FD992DE9DC}" type="datetime1">
               <a:rPr lang="zh-TW" altLang="en-US" smtClean="0"/>
               <a:pPr/>
-              <a:t>2020/9/7</a:t>
+              <a:t>2020/9/8</a:t>
             </a:fld>
             <a:endParaRPr lang="zh-TW" altLang="en-US"/>
           </a:p>
@@ -2139,7 +2139,7 @@
             <a:fld id="{6339AF51-4491-4873-A096-75DB6CE47516}" type="datetime1">
               <a:rPr lang="zh-TW" altLang="en-US" smtClean="0"/>
               <a:pPr/>
-              <a:t>2020/9/7</a:t>
+              <a:t>2020/9/8</a:t>
             </a:fld>
             <a:endParaRPr lang="zh-TW" altLang="en-US"/>
           </a:p>
@@ -2253,7 +2253,7 @@
             <a:fld id="{EE4AD9C8-8B9E-40FF-ABE2-858AC2057BBB}" type="datetime1">
               <a:rPr lang="zh-TW" altLang="en-US" smtClean="0"/>
               <a:pPr/>
-              <a:t>2020/9/7</a:t>
+              <a:t>2020/9/8</a:t>
             </a:fld>
             <a:endParaRPr lang="zh-TW" altLang="en-US"/>
           </a:p>
@@ -2345,7 +2345,7 @@
             <a:fld id="{B4784999-BBBE-4BE4-A8D0-877E7D1D66CC}" type="datetime1">
               <a:rPr lang="zh-TW" altLang="en-US" smtClean="0"/>
               <a:pPr/>
-              <a:t>2020/9/7</a:t>
+              <a:t>2020/9/8</a:t>
             </a:fld>
             <a:endParaRPr lang="zh-TW" altLang="en-US"/>
           </a:p>
@@ -2617,7 +2617,7 @@
             <a:fld id="{E88D17E6-02BD-4944-B9FE-7BFCCBF83D48}" type="datetime1">
               <a:rPr lang="zh-TW" altLang="en-US" smtClean="0"/>
               <a:pPr/>
-              <a:t>2020/9/7</a:t>
+              <a:t>2020/9/8</a:t>
             </a:fld>
             <a:endParaRPr lang="zh-TW" altLang="en-US"/>
           </a:p>
@@ -2866,7 +2866,7 @@
             <a:fld id="{3C13E23D-1FEF-4D78-A3A3-3D6F2BB31954}" type="datetime1">
               <a:rPr lang="zh-TW" altLang="en-US" smtClean="0"/>
               <a:pPr/>
-              <a:t>2020/9/7</a:t>
+              <a:t>2020/9/8</a:t>
             </a:fld>
             <a:endParaRPr lang="zh-TW" altLang="en-US"/>
           </a:p>
@@ -3074,7 +3074,7 @@
             <a:fld id="{06197F35-AD6F-4594-8B50-334492D2E7E8}" type="datetime1">
               <a:rPr lang="zh-TW" altLang="en-US" smtClean="0"/>
               <a:pPr/>
-              <a:t>2020/9/7</a:t>
+              <a:t>2020/9/8</a:t>
             </a:fld>
             <a:endParaRPr lang="zh-TW" altLang="en-US"/>
           </a:p>
@@ -3535,7 +3535,7 @@
             <a:fld id="{C389EDC9-19E3-47AC-9C57-C6A24DEA81AD}" type="datetime1">
               <a:rPr lang="zh-TW" altLang="en-US" smtClean="0"/>
               <a:pPr/>
-              <a:t>2020/9/7</a:t>
+              <a:t>2020/9/8</a:t>
             </a:fld>
             <a:endParaRPr lang="zh-TW" altLang="en-US"/>
           </a:p>
@@ -4295,7 +4295,7 @@
             <a:fld id="{A4F910E6-8D00-4BAF-8C48-9688E0B449D3}" type="datetime1">
               <a:rPr lang="zh-TW" altLang="en-US" smtClean="0"/>
               <a:pPr/>
-              <a:t>2020/9/7</a:t>
+              <a:t>2020/9/8</a:t>
             </a:fld>
             <a:endParaRPr lang="zh-TW" altLang="en-US" dirty="0"/>
           </a:p>
@@ -4414,7 +4414,7 @@
             <a:fld id="{C389EDC9-19E3-47AC-9C57-C6A24DEA81AD}" type="datetime1">
               <a:rPr lang="zh-TW" altLang="en-US" smtClean="0"/>
               <a:pPr/>
-              <a:t>2020/9/7</a:t>
+              <a:t>2020/9/8</a:t>
             </a:fld>
             <a:endParaRPr lang="zh-TW" altLang="en-US"/>
           </a:p>
@@ -4879,7 +4879,7 @@
             <a:fld id="{A4F910E6-8D00-4BAF-8C48-9688E0B449D3}" type="datetime1">
               <a:rPr lang="zh-TW" altLang="en-US" smtClean="0"/>
               <a:pPr/>
-              <a:t>2020/9/7</a:t>
+              <a:t>2020/9/8</a:t>
             </a:fld>
             <a:endParaRPr lang="zh-TW" altLang="en-US" dirty="0"/>
           </a:p>
@@ -5021,7 +5021,7 @@
             <a:fld id="{4E46BE27-E923-4EC2-B046-3272AE2A3E5C}" type="datetime1">
               <a:rPr lang="zh-TW" altLang="en-US" smtClean="0"/>
               <a:pPr/>
-              <a:t>2020/9/7</a:t>
+              <a:t>2020/9/8</a:t>
             </a:fld>
             <a:endParaRPr lang="zh-TW" altLang="en-US"/>
           </a:p>
@@ -5364,7 +5364,7 @@
             <a:fld id="{A4F910E6-8D00-4BAF-8C48-9688E0B449D3}" type="datetime1">
               <a:rPr lang="zh-TW" altLang="en-US" smtClean="0"/>
               <a:pPr/>
-              <a:t>2020/9/7</a:t>
+              <a:t>2020/9/8</a:t>
             </a:fld>
             <a:endParaRPr lang="zh-TW" altLang="en-US"/>
           </a:p>
@@ -5483,7 +5483,7 @@
             <a:fld id="{C389EDC9-19E3-47AC-9C57-C6A24DEA81AD}" type="datetime1">
               <a:rPr lang="zh-TW" altLang="en-US" smtClean="0"/>
               <a:pPr/>
-              <a:t>2020/9/7</a:t>
+              <a:t>2020/9/8</a:t>
             </a:fld>
             <a:endParaRPr lang="zh-TW" altLang="en-US"/>
           </a:p>
@@ -5623,7 +5623,7 @@
           <a:p>
             <a:pPr algn="l"/>
             <a:r>
-              <a:rPr lang="en-US" altLang="zh-TW" sz="4400" b="1">
+              <a:rPr lang="en-US" altLang="zh-TW" sz="4400" b="1" dirty="0">
                 <a:solidFill>
                   <a:srgbClr val="FFFF00"/>
                 </a:solidFill>
@@ -5852,7 +5852,7 @@
             <a:fld id="{A4F910E6-8D00-4BAF-8C48-9688E0B449D3}" type="datetime1">
               <a:rPr lang="zh-TW" altLang="en-US" smtClean="0"/>
               <a:pPr/>
-              <a:t>2020/9/7</a:t>
+              <a:t>2020/9/8</a:t>
             </a:fld>
             <a:endParaRPr lang="zh-TW" altLang="en-US"/>
           </a:p>
@@ -5971,7 +5971,7 @@
             <a:fld id="{C389EDC9-19E3-47AC-9C57-C6A24DEA81AD}" type="datetime1">
               <a:rPr lang="zh-TW" altLang="en-US" smtClean="0"/>
               <a:pPr/>
-              <a:t>2020/9/7</a:t>
+              <a:t>2020/9/8</a:t>
             </a:fld>
             <a:endParaRPr lang="zh-TW" altLang="en-US"/>
           </a:p>
@@ -6567,7 +6567,7 @@
             <a:fld id="{A4F910E6-8D00-4BAF-8C48-9688E0B449D3}" type="datetime1">
               <a:rPr lang="zh-TW" altLang="en-US" smtClean="0"/>
               <a:pPr/>
-              <a:t>2020/9/7</a:t>
+              <a:t>2020/9/8</a:t>
             </a:fld>
             <a:endParaRPr lang="zh-TW" altLang="en-US"/>
           </a:p>
@@ -6686,7 +6686,7 @@
             <a:fld id="{C389EDC9-19E3-47AC-9C57-C6A24DEA81AD}" type="datetime1">
               <a:rPr lang="zh-TW" altLang="en-US" smtClean="0"/>
               <a:pPr/>
-              <a:t>2020/9/7</a:t>
+              <a:t>2020/9/8</a:t>
             </a:fld>
             <a:endParaRPr lang="zh-TW" altLang="en-US"/>
           </a:p>
@@ -7123,7 +7123,7 @@
             <a:fld id="{A4F910E6-8D00-4BAF-8C48-9688E0B449D3}" type="datetime1">
               <a:rPr lang="zh-TW" altLang="en-US" smtClean="0"/>
               <a:pPr/>
-              <a:t>2020/9/7</a:t>
+              <a:t>2020/9/8</a:t>
             </a:fld>
             <a:endParaRPr lang="zh-TW" altLang="en-US"/>
           </a:p>
@@ -7242,7 +7242,7 @@
             <a:fld id="{C389EDC9-19E3-47AC-9C57-C6A24DEA81AD}" type="datetime1">
               <a:rPr lang="zh-TW" altLang="en-US" smtClean="0"/>
               <a:pPr/>
-              <a:t>2020/9/7</a:t>
+              <a:t>2020/9/8</a:t>
             </a:fld>
             <a:endParaRPr lang="zh-TW" altLang="en-US"/>
           </a:p>
